--- a/Later/Java Evolving Interfaces-default/Java Evolving Interfaces-default.pptx
+++ b/Later/Java Evolving Interfaces-default/Java Evolving Interfaces-default.pptx
@@ -3936,7 +3936,7 @@
             </a:r>
             <a:r>
               <a:rPr lang="en-US" sz="1200" b="1" dirty="0" smtClean="0"/>
-              <a:t>Doit</a:t>
+              <a:t>DoIt</a:t>
             </a:r>
             <a:endParaRPr lang="en-US" sz="1200" b="1" dirty="0"/>
           </a:p>
@@ -4084,7 +4084,7 @@
             </a:r>
             <a:r>
               <a:rPr lang="en-US" sz="1000" b="1" dirty="0" smtClean="0"/>
-              <a:t>InterfaceA</a:t>
+              <a:t>DoIt</a:t>
             </a:r>
             <a:endParaRPr lang="en-US" sz="1000" b="1" dirty="0"/>
           </a:p>
@@ -4235,7 +4235,7 @@
           <a:lstStyle/>
           <a:p>
             <a:pPr algn="ctr"/>
-            <a:endParaRPr lang="en-US"/>
+            <a:endParaRPr lang="en-US" dirty="0"/>
           </a:p>
         </p:txBody>
       </p:sp>
@@ -4291,7 +4291,7 @@
             </a:r>
             <a:r>
               <a:rPr lang="en-US" sz="1200" b="1" dirty="0" smtClean="0"/>
-              <a:t>Doit </a:t>
+              <a:t>DoIt </a:t>
             </a:r>
             <a:r>
               <a:rPr lang="en-US" sz="1200" dirty="0" smtClean="0"/>
@@ -4320,13 +4320,12 @@
             </a:r>
             <a:r>
               <a:rPr lang="en-US" sz="1200" b="1" dirty="0" smtClean="0"/>
-              <a:t>Doit</a:t>
+              <a:t>DoIt</a:t>
             </a:r>
             <a:r>
               <a:rPr lang="en-US" sz="1200" dirty="0"/>
               <a:t> interface will break because they no longer implement the old interface. Programmers relying on this interface will protest loudly.</a:t>
             </a:r>
-            <a:endParaRPr lang="en-US" sz="1200" dirty="0"/>
           </a:p>
         </p:txBody>
       </p:sp>
@@ -4410,15 +4409,23 @@
             </a:r>
             <a:r>
               <a:rPr lang="en-US" sz="1200" dirty="0" smtClean="0"/>
-              <a:t>interface with out affecting  the existing classes which implements the </a:t>
-            </a:r>
-            <a:r>
-              <a:rPr lang="en-US" sz="1200" b="1" dirty="0" smtClean="0"/>
-              <a:t>Doit</a:t>
+              <a:t>interface with out affecting  the existing classes which implements </a:t>
+            </a:r>
+            <a:r>
+              <a:rPr lang="en-US" sz="1200" smtClean="0"/>
+              <a:t>the </a:t>
+            </a:r>
+            <a:r>
+              <a:rPr lang="en-US" sz="1200" b="1" smtClean="0"/>
+              <a:t>DoIt</a:t>
+            </a:r>
+            <a:r>
+              <a:rPr lang="en-US" sz="1200" smtClean="0"/>
+              <a:t> </a:t>
             </a:r>
             <a:r>
               <a:rPr lang="en-US" sz="1200" dirty="0" smtClean="0"/>
-              <a:t> interface ,</a:t>
+              <a:t>interface ,</a:t>
             </a:r>
             <a:endParaRPr lang="en-US" sz="1200" dirty="0"/>
           </a:p>
